--- a/RESTful Web Service Implementation + Docker.pptx
+++ b/RESTful Web Service Implementation + Docker.pptx
@@ -4,9 +4,12 @@
   <p:sldMasterIdLst>
     <p:sldMasterId id="2147483648" r:id="rId4"/>
   </p:sldMasterIdLst>
+  <p:notesMasterIdLst>
+    <p:notesMasterId r:id="rId7"/>
+  </p:notesMasterIdLst>
   <p:sldIdLst>
     <p:sldId id="256" r:id="rId5"/>
-    <p:sldId id="257" r:id="rId6"/>
+    <p:sldId id="258" r:id="rId6"/>
   </p:sldIdLst>
   <p:sldSz cx="12192000" cy="6858000"/>
   <p:notesSz cx="6858000" cy="9144000"/>
@@ -111,6 +114,355 @@
     </p:ext>
   </p:extLst>
 </p:presentation>
+</file>
+
+<file path=ppt/notesMasters/notesMaster1.xml><?xml version="1.0" encoding="utf-8"?>
+<p:notesMaster xmlns:a="http://schemas.openxmlformats.org/drawingml/2006/main" xmlns:r="http://schemas.openxmlformats.org/officeDocument/2006/relationships" xmlns:p="http://schemas.openxmlformats.org/presentationml/2006/main">
+  <p:cSld>
+    <p:bg>
+      <p:bgRef idx="1001">
+        <a:schemeClr val="bg1"/>
+      </p:bgRef>
+    </p:bg>
+    <p:spTree>
+      <p:nvGrpSpPr>
+        <p:cNvPr id="1" name=""/>
+        <p:cNvGrpSpPr/>
+        <p:nvPr/>
+      </p:nvGrpSpPr>
+      <p:grpSpPr>
+        <a:xfrm>
+          <a:off x="0" y="0"/>
+          <a:ext cx="0" cy="0"/>
+          <a:chOff x="0" y="0"/>
+          <a:chExt cx="0" cy="0"/>
+        </a:xfrm>
+      </p:grpSpPr>
+      <p:sp>
+        <p:nvSpPr>
+          <p:cNvPr id="2" name="Header Placeholder 1"/>
+          <p:cNvSpPr>
+            <a:spLocks noGrp="1"/>
+          </p:cNvSpPr>
+          <p:nvPr>
+            <p:ph type="hdr" sz="quarter"/>
+          </p:nvPr>
+        </p:nvSpPr>
+        <p:spPr>
+          <a:xfrm>
+            <a:off x="0" y="0"/>
+            <a:ext cx="2971800" cy="458788"/>
+          </a:xfrm>
+          <a:prstGeom prst="rect">
+            <a:avLst/>
+          </a:prstGeom>
+        </p:spPr>
+        <p:txBody>
+          <a:bodyPr vert="horz" lIns="91440" tIns="45720" rIns="91440" bIns="45720" rtlCol="0"/>
+          <a:lstStyle>
+            <a:lvl1pPr algn="l">
+              <a:defRPr sz="1200"/>
+            </a:lvl1pPr>
+          </a:lstStyle>
+          <a:p>
+            <a:endParaRPr lang="en-US"/>
+          </a:p>
+        </p:txBody>
+      </p:sp>
+      <p:sp>
+        <p:nvSpPr>
+          <p:cNvPr id="3" name="Date Placeholder 2"/>
+          <p:cNvSpPr>
+            <a:spLocks noGrp="1"/>
+          </p:cNvSpPr>
+          <p:nvPr>
+            <p:ph type="dt" idx="1"/>
+          </p:nvPr>
+        </p:nvSpPr>
+        <p:spPr>
+          <a:xfrm>
+            <a:off x="3884613" y="0"/>
+            <a:ext cx="2971800" cy="458788"/>
+          </a:xfrm>
+          <a:prstGeom prst="rect">
+            <a:avLst/>
+          </a:prstGeom>
+        </p:spPr>
+        <p:txBody>
+          <a:bodyPr vert="horz" lIns="91440" tIns="45720" rIns="91440" bIns="45720" rtlCol="0"/>
+          <a:lstStyle>
+            <a:lvl1pPr algn="r">
+              <a:defRPr sz="1200"/>
+            </a:lvl1pPr>
+          </a:lstStyle>
+          <a:p>
+            <a:fld id="{FC7C93B1-FF0D-4680-9696-E977B4F6DCC1}" type="datetimeFigureOut">
+              <a:rPr lang="en-US" smtClean="0"/>
+              <a:t>12/14/2021</a:t>
+            </a:fld>
+            <a:endParaRPr lang="en-US"/>
+          </a:p>
+        </p:txBody>
+      </p:sp>
+      <p:sp>
+        <p:nvSpPr>
+          <p:cNvPr id="4" name="Slide Image Placeholder 3"/>
+          <p:cNvSpPr>
+            <a:spLocks noGrp="1" noRot="1" noChangeAspect="1"/>
+          </p:cNvSpPr>
+          <p:nvPr>
+            <p:ph type="sldImg" idx="2"/>
+          </p:nvPr>
+        </p:nvSpPr>
+        <p:spPr>
+          <a:xfrm>
+            <a:off x="685800" y="1143000"/>
+            <a:ext cx="5486400" cy="3086100"/>
+          </a:xfrm>
+          <a:prstGeom prst="rect">
+            <a:avLst/>
+          </a:prstGeom>
+          <a:noFill/>
+          <a:ln w="12700">
+            <a:solidFill>
+              <a:prstClr val="black"/>
+            </a:solidFill>
+          </a:ln>
+        </p:spPr>
+        <p:txBody>
+          <a:bodyPr vert="horz" lIns="91440" tIns="45720" rIns="91440" bIns="45720" rtlCol="0" anchor="ctr"/>
+          <a:lstStyle/>
+          <a:p>
+            <a:endParaRPr lang="en-US"/>
+          </a:p>
+        </p:txBody>
+      </p:sp>
+      <p:sp>
+        <p:nvSpPr>
+          <p:cNvPr id="5" name="Notes Placeholder 4"/>
+          <p:cNvSpPr>
+            <a:spLocks noGrp="1"/>
+          </p:cNvSpPr>
+          <p:nvPr>
+            <p:ph type="body" sz="quarter" idx="3"/>
+          </p:nvPr>
+        </p:nvSpPr>
+        <p:spPr>
+          <a:xfrm>
+            <a:off x="685800" y="4400550"/>
+            <a:ext cx="5486400" cy="3600450"/>
+          </a:xfrm>
+          <a:prstGeom prst="rect">
+            <a:avLst/>
+          </a:prstGeom>
+        </p:spPr>
+        <p:txBody>
+          <a:bodyPr vert="horz" lIns="91440" tIns="45720" rIns="91440" bIns="45720" rtlCol="0"/>
+          <a:lstStyle/>
+          <a:p>
+            <a:pPr lvl="0"/>
+            <a:r>
+              <a:rPr lang="en-US"/>
+              <a:t>Click to edit Master text styles</a:t>
+            </a:r>
+          </a:p>
+          <a:p>
+            <a:pPr lvl="1"/>
+            <a:r>
+              <a:rPr lang="en-US"/>
+              <a:t>Second level</a:t>
+            </a:r>
+          </a:p>
+          <a:p>
+            <a:pPr lvl="2"/>
+            <a:r>
+              <a:rPr lang="en-US"/>
+              <a:t>Third level</a:t>
+            </a:r>
+          </a:p>
+          <a:p>
+            <a:pPr lvl="3"/>
+            <a:r>
+              <a:rPr lang="en-US"/>
+              <a:t>Fourth level</a:t>
+            </a:r>
+          </a:p>
+          <a:p>
+            <a:pPr lvl="4"/>
+            <a:r>
+              <a:rPr lang="en-US"/>
+              <a:t>Fifth level</a:t>
+            </a:r>
+          </a:p>
+        </p:txBody>
+      </p:sp>
+      <p:sp>
+        <p:nvSpPr>
+          <p:cNvPr id="6" name="Footer Placeholder 5"/>
+          <p:cNvSpPr>
+            <a:spLocks noGrp="1"/>
+          </p:cNvSpPr>
+          <p:nvPr>
+            <p:ph type="ftr" sz="quarter" idx="4"/>
+          </p:nvPr>
+        </p:nvSpPr>
+        <p:spPr>
+          <a:xfrm>
+            <a:off x="0" y="8685213"/>
+            <a:ext cx="2971800" cy="458787"/>
+          </a:xfrm>
+          <a:prstGeom prst="rect">
+            <a:avLst/>
+          </a:prstGeom>
+        </p:spPr>
+        <p:txBody>
+          <a:bodyPr vert="horz" lIns="91440" tIns="45720" rIns="91440" bIns="45720" rtlCol="0" anchor="b"/>
+          <a:lstStyle>
+            <a:lvl1pPr algn="l">
+              <a:defRPr sz="1200"/>
+            </a:lvl1pPr>
+          </a:lstStyle>
+          <a:p>
+            <a:endParaRPr lang="en-US"/>
+          </a:p>
+        </p:txBody>
+      </p:sp>
+      <p:sp>
+        <p:nvSpPr>
+          <p:cNvPr id="7" name="Slide Number Placeholder 6"/>
+          <p:cNvSpPr>
+            <a:spLocks noGrp="1"/>
+          </p:cNvSpPr>
+          <p:nvPr>
+            <p:ph type="sldNum" sz="quarter" idx="5"/>
+          </p:nvPr>
+        </p:nvSpPr>
+        <p:spPr>
+          <a:xfrm>
+            <a:off x="3884613" y="8685213"/>
+            <a:ext cx="2971800" cy="458787"/>
+          </a:xfrm>
+          <a:prstGeom prst="rect">
+            <a:avLst/>
+          </a:prstGeom>
+        </p:spPr>
+        <p:txBody>
+          <a:bodyPr vert="horz" lIns="91440" tIns="45720" rIns="91440" bIns="45720" rtlCol="0" anchor="b"/>
+          <a:lstStyle>
+            <a:lvl1pPr algn="r">
+              <a:defRPr sz="1200"/>
+            </a:lvl1pPr>
+          </a:lstStyle>
+          <a:p>
+            <a:fld id="{4092A7C1-5F16-4962-AE6C-79450ECFF4A8}" type="slidenum">
+              <a:rPr lang="en-US" smtClean="0"/>
+              <a:t>‹#›</a:t>
+            </a:fld>
+            <a:endParaRPr lang="en-US"/>
+          </a:p>
+        </p:txBody>
+      </p:sp>
+    </p:spTree>
+    <p:extLst>
+      <p:ext uri="{BB962C8B-B14F-4D97-AF65-F5344CB8AC3E}">
+        <p14:creationId xmlns:p14="http://schemas.microsoft.com/office/powerpoint/2010/main" val="567049146"/>
+      </p:ext>
+    </p:extLst>
+  </p:cSld>
+  <p:clrMap bg1="lt1" tx1="dk1" bg2="lt2" tx2="dk2" accent1="accent1" accent2="accent2" accent3="accent3" accent4="accent4" accent5="accent5" accent6="accent6" hlink="hlink" folHlink="folHlink"/>
+  <p:notesStyle>
+    <a:lvl1pPr marL="0" algn="l" defTabSz="914400" rtl="0" eaLnBrk="1" latinLnBrk="0" hangingPunct="1">
+      <a:defRPr sz="1200" kern="1200">
+        <a:solidFill>
+          <a:schemeClr val="tx1"/>
+        </a:solidFill>
+        <a:latin typeface="+mn-lt"/>
+        <a:ea typeface="+mn-ea"/>
+        <a:cs typeface="+mn-cs"/>
+      </a:defRPr>
+    </a:lvl1pPr>
+    <a:lvl2pPr marL="457200" algn="l" defTabSz="914400" rtl="0" eaLnBrk="1" latinLnBrk="0" hangingPunct="1">
+      <a:defRPr sz="1200" kern="1200">
+        <a:solidFill>
+          <a:schemeClr val="tx1"/>
+        </a:solidFill>
+        <a:latin typeface="+mn-lt"/>
+        <a:ea typeface="+mn-ea"/>
+        <a:cs typeface="+mn-cs"/>
+      </a:defRPr>
+    </a:lvl2pPr>
+    <a:lvl3pPr marL="914400" algn="l" defTabSz="914400" rtl="0" eaLnBrk="1" latinLnBrk="0" hangingPunct="1">
+      <a:defRPr sz="1200" kern="1200">
+        <a:solidFill>
+          <a:schemeClr val="tx1"/>
+        </a:solidFill>
+        <a:latin typeface="+mn-lt"/>
+        <a:ea typeface="+mn-ea"/>
+        <a:cs typeface="+mn-cs"/>
+      </a:defRPr>
+    </a:lvl3pPr>
+    <a:lvl4pPr marL="1371600" algn="l" defTabSz="914400" rtl="0" eaLnBrk="1" latinLnBrk="0" hangingPunct="1">
+      <a:defRPr sz="1200" kern="1200">
+        <a:solidFill>
+          <a:schemeClr val="tx1"/>
+        </a:solidFill>
+        <a:latin typeface="+mn-lt"/>
+        <a:ea typeface="+mn-ea"/>
+        <a:cs typeface="+mn-cs"/>
+      </a:defRPr>
+    </a:lvl4pPr>
+    <a:lvl5pPr marL="1828800" algn="l" defTabSz="914400" rtl="0" eaLnBrk="1" latinLnBrk="0" hangingPunct="1">
+      <a:defRPr sz="1200" kern="1200">
+        <a:solidFill>
+          <a:schemeClr val="tx1"/>
+        </a:solidFill>
+        <a:latin typeface="+mn-lt"/>
+        <a:ea typeface="+mn-ea"/>
+        <a:cs typeface="+mn-cs"/>
+      </a:defRPr>
+    </a:lvl5pPr>
+    <a:lvl6pPr marL="2286000" algn="l" defTabSz="914400" rtl="0" eaLnBrk="1" latinLnBrk="0" hangingPunct="1">
+      <a:defRPr sz="1200" kern="1200">
+        <a:solidFill>
+          <a:schemeClr val="tx1"/>
+        </a:solidFill>
+        <a:latin typeface="+mn-lt"/>
+        <a:ea typeface="+mn-ea"/>
+        <a:cs typeface="+mn-cs"/>
+      </a:defRPr>
+    </a:lvl6pPr>
+    <a:lvl7pPr marL="2743200" algn="l" defTabSz="914400" rtl="0" eaLnBrk="1" latinLnBrk="0" hangingPunct="1">
+      <a:defRPr sz="1200" kern="1200">
+        <a:solidFill>
+          <a:schemeClr val="tx1"/>
+        </a:solidFill>
+        <a:latin typeface="+mn-lt"/>
+        <a:ea typeface="+mn-ea"/>
+        <a:cs typeface="+mn-cs"/>
+      </a:defRPr>
+    </a:lvl7pPr>
+    <a:lvl8pPr marL="3200400" algn="l" defTabSz="914400" rtl="0" eaLnBrk="1" latinLnBrk="0" hangingPunct="1">
+      <a:defRPr sz="1200" kern="1200">
+        <a:solidFill>
+          <a:schemeClr val="tx1"/>
+        </a:solidFill>
+        <a:latin typeface="+mn-lt"/>
+        <a:ea typeface="+mn-ea"/>
+        <a:cs typeface="+mn-cs"/>
+      </a:defRPr>
+    </a:lvl8pPr>
+    <a:lvl9pPr marL="3657600" algn="l" defTabSz="914400" rtl="0" eaLnBrk="1" latinLnBrk="0" hangingPunct="1">
+      <a:defRPr sz="1200" kern="1200">
+        <a:solidFill>
+          <a:schemeClr val="tx1"/>
+        </a:solidFill>
+        <a:latin typeface="+mn-lt"/>
+        <a:ea typeface="+mn-ea"/>
+        <a:cs typeface="+mn-cs"/>
+      </a:defRPr>
+    </a:lvl9pPr>
+  </p:notesStyle>
+</p:notesMaster>
 </file>
 
 <file path=ppt/slideLayouts/slideLayout1.xml><?xml version="1.0" encoding="utf-8"?>
@@ -3941,91 +4293,132 @@
       </p:grpSpPr>
       <p:sp>
         <p:nvSpPr>
-          <p:cNvPr id="3" name="TextBox 2">
-            <a:extLst>
-              <a:ext uri="{FF2B5EF4-FFF2-40B4-BE49-F238E27FC236}">
-                <a16:creationId xmlns:a16="http://schemas.microsoft.com/office/drawing/2014/main" id="{92F2002E-B81D-45CE-A942-B6B5A337EE6E}"/>
-              </a:ext>
-            </a:extLst>
-          </p:cNvPr>
-          <p:cNvSpPr txBox="1"/>
-          <p:nvPr/>
-        </p:nvSpPr>
-        <p:spPr>
-          <a:xfrm>
-            <a:off x="222476" y="321519"/>
-            <a:ext cx="11969523" cy="4893647"/>
-          </a:xfrm>
-          <a:prstGeom prst="rect">
-            <a:avLst/>
-          </a:prstGeom>
-          <a:noFill/>
-        </p:spPr>
-        <p:txBody>
-          <a:bodyPr wrap="square">
-            <a:spAutoFit/>
+          <p:cNvPr id="2" name="Title 1">
+            <a:extLst>
+              <a:ext uri="{FF2B5EF4-FFF2-40B4-BE49-F238E27FC236}">
+                <a16:creationId xmlns:a16="http://schemas.microsoft.com/office/drawing/2014/main" id="{F8B3A7B6-FE6D-4884-BBCF-850BACC9C26B}"/>
+              </a:ext>
+            </a:extLst>
+          </p:cNvPr>
+          <p:cNvSpPr>
+            <a:spLocks noGrp="1"/>
+          </p:cNvSpPr>
+          <p:nvPr>
+            <p:ph type="title"/>
+          </p:nvPr>
+        </p:nvSpPr>
+        <p:spPr/>
+        <p:txBody>
+          <a:bodyPr/>
+          <a:lstStyle/>
+          <a:p>
+            <a:r>
+              <a:rPr lang="en-US" b="1" u="sng" dirty="0"/>
+              <a:t>DATA MODEL</a:t>
+            </a:r>
+          </a:p>
+        </p:txBody>
+      </p:sp>
+      <p:sp>
+        <p:nvSpPr>
+          <p:cNvPr id="3" name="Content Placeholder 2">
+            <a:extLst>
+              <a:ext uri="{FF2B5EF4-FFF2-40B4-BE49-F238E27FC236}">
+                <a16:creationId xmlns:a16="http://schemas.microsoft.com/office/drawing/2014/main" id="{A027BD20-7228-4587-830E-1EA1D3189E24}"/>
+              </a:ext>
+            </a:extLst>
+          </p:cNvPr>
+          <p:cNvSpPr>
+            <a:spLocks noGrp="1"/>
+          </p:cNvSpPr>
+          <p:nvPr>
+            <p:ph idx="1"/>
+          </p:nvPr>
+        </p:nvSpPr>
+        <p:spPr/>
+        <p:txBody>
+          <a:bodyPr>
+            <a:normAutofit fontScale="70000" lnSpcReduction="20000"/>
           </a:bodyPr>
           <a:lstStyle/>
           <a:p>
-            <a:r>
-              <a:rPr lang="en-US" sz="2400" dirty="0"/>
-              <a:t>-&gt;We have used Python and flask for the assignment.</a:t>
-            </a:r>
-          </a:p>
-          <a:p>
-            <a:endParaRPr lang="en-US" sz="2400" dirty="0"/>
-          </a:p>
-          <a:p>
-            <a:r>
-              <a:rPr lang="en-US" sz="2400" dirty="0"/>
-              <a:t>-&gt;We have designed the menu </a:t>
-            </a:r>
-            <a:r>
-              <a:rPr lang="en-US" sz="2400"/>
-              <a:t>for restaurant, </a:t>
-            </a:r>
-            <a:r>
-              <a:rPr lang="en-US" sz="2400" dirty="0"/>
-              <a:t>and we have written in json format. The menu for restaurant consists of unique ‘id’ for indicating each dish,’name’ of the dish,’type’ of the dish,’calories’,’carbs’,and ‘protein’.</a:t>
-            </a:r>
-          </a:p>
-          <a:p>
-            <a:endParaRPr lang="en-US" sz="2400" dirty="0"/>
-          </a:p>
-          <a:p>
-            <a:r>
-              <a:rPr lang="en-US" sz="2400" dirty="0"/>
-              <a:t>-&gt;In app.py file we are loading the json file and routing all four routes.</a:t>
-            </a:r>
-          </a:p>
-          <a:p>
-            <a:endParaRPr lang="en-US" sz="2400" dirty="0"/>
-          </a:p>
-          <a:p>
-            <a:r>
-              <a:rPr lang="en-US" sz="2400" dirty="0"/>
-              <a:t>-&gt;The first route points to all entire menu what we have loaded,the second route points to the menu with specific calories mentioned by the user ,the third route points to the menu with specific calories and protein and last route points to the menu with calories,protein and carbs.</a:t>
-            </a:r>
-          </a:p>
-          <a:p>
-            <a:endParaRPr lang="en-US" sz="2400" dirty="0"/>
-          </a:p>
-          <a:p>
-            <a:r>
-              <a:rPr lang="en-US" sz="2400" dirty="0"/>
-              <a:t>-&gt;We can see the display of the menu card on local host 5000, as it is default port for python </a:t>
+            <a:pPr marL="342900" indent="-342900" algn="just">
+              <a:lnSpc>
+                <a:spcPct val="150000"/>
+              </a:lnSpc>
+              <a:buFont typeface="Arial" panose="020B0604020202020204" pitchFamily="34" charset="0"/>
+              <a:buChar char="•"/>
+            </a:pPr>
+            <a:r>
+              <a:rPr lang="en-US" sz="2800" dirty="0"/>
+              <a:t>We have used Python and flask for the assignment.</a:t>
+            </a:r>
+          </a:p>
+          <a:p>
+            <a:pPr marL="342900" indent="-342900" algn="just">
+              <a:lnSpc>
+                <a:spcPct val="150000"/>
+              </a:lnSpc>
+              <a:buFont typeface="Arial" panose="020B0604020202020204" pitchFamily="34" charset="0"/>
+              <a:buChar char="•"/>
+            </a:pPr>
+            <a:r>
+              <a:rPr lang="en-US" sz="2800" dirty="0"/>
+              <a:t>This assignment we have designed the menu for restaurant, and we have written in json format. The menu for restaurant consists of unique ‘id’ for indicating each dish, ’name’ of the dish, ’type’ of the dish, ’calories’, ’carbs’, and ‘protein’.</a:t>
+            </a:r>
+          </a:p>
+          <a:p>
+            <a:pPr marL="342900" indent="-342900" algn="just">
+              <a:lnSpc>
+                <a:spcPct val="150000"/>
+              </a:lnSpc>
+              <a:buFont typeface="Arial" panose="020B0604020202020204" pitchFamily="34" charset="0"/>
+              <a:buChar char="•"/>
+            </a:pPr>
+            <a:r>
+              <a:rPr lang="en-US" sz="2800" dirty="0"/>
+              <a:t>In app.py Python file we are loading the json file and routing all four routes.</a:t>
+            </a:r>
+          </a:p>
+          <a:p>
+            <a:pPr marL="342900" indent="-342900" algn="just">
+              <a:lnSpc>
+                <a:spcPct val="150000"/>
+              </a:lnSpc>
+              <a:buFont typeface="Arial" panose="020B0604020202020204" pitchFamily="34" charset="0"/>
+              <a:buChar char="•"/>
+            </a:pPr>
+            <a:r>
+              <a:rPr lang="en-US" sz="2800" dirty="0"/>
+              <a:t>The first route points to all entire menu what we have loaded, the second route points to the menu with specific calories mentioned by the user ,the third route points to the menu with specific calories and protein and last route points to the menu with calories, protein and carbs.</a:t>
+            </a:r>
+          </a:p>
+          <a:p>
+            <a:pPr marL="342900" indent="-342900" algn="just">
+              <a:lnSpc>
+                <a:spcPct val="150000"/>
+              </a:lnSpc>
+              <a:buFont typeface="Arial" panose="020B0604020202020204" pitchFamily="34" charset="0"/>
+              <a:buChar char="•"/>
+            </a:pPr>
+            <a:r>
+              <a:rPr lang="en-US" sz="2800" dirty="0"/>
+              <a:t>We can see the display of the menu card on local host 5000, as it is default port for python </a:t>
             </a:r>
             <a:r>
               <a:rPr lang="en-US" dirty="0"/>
               <a:t>.</a:t>
             </a:r>
+          </a:p>
+          <a:p>
+            <a:endParaRPr lang="en-US" dirty="0"/>
           </a:p>
         </p:txBody>
       </p:sp>
     </p:spTree>
     <p:extLst>
       <p:ext uri="{BB962C8B-B14F-4D97-AF65-F5344CB8AC3E}">
-        <p14:creationId xmlns:p14="http://schemas.microsoft.com/office/powerpoint/2010/main" val="3873833410"/>
+        <p14:creationId xmlns:p14="http://schemas.microsoft.com/office/powerpoint/2010/main" val="8584685"/>
       </p:ext>
     </p:extLst>
   </p:cSld>
@@ -4330,7 +4723,317 @@
 </a:theme>
 </file>
 
+<file path=ppt/theme/theme2.xml><?xml version="1.0" encoding="utf-8"?>
+<a:theme xmlns:a="http://schemas.openxmlformats.org/drawingml/2006/main" name="Office Theme">
+  <a:themeElements>
+    <a:clrScheme name="Office">
+      <a:dk1>
+        <a:sysClr val="windowText" lastClr="000000"/>
+      </a:dk1>
+      <a:lt1>
+        <a:sysClr val="window" lastClr="FFFFFF"/>
+      </a:lt1>
+      <a:dk2>
+        <a:srgbClr val="44546A"/>
+      </a:dk2>
+      <a:lt2>
+        <a:srgbClr val="E7E6E6"/>
+      </a:lt2>
+      <a:accent1>
+        <a:srgbClr val="4472C4"/>
+      </a:accent1>
+      <a:accent2>
+        <a:srgbClr val="ED7D31"/>
+      </a:accent2>
+      <a:accent3>
+        <a:srgbClr val="A5A5A5"/>
+      </a:accent3>
+      <a:accent4>
+        <a:srgbClr val="FFC000"/>
+      </a:accent4>
+      <a:accent5>
+        <a:srgbClr val="5B9BD5"/>
+      </a:accent5>
+      <a:accent6>
+        <a:srgbClr val="70AD47"/>
+      </a:accent6>
+      <a:hlink>
+        <a:srgbClr val="0563C1"/>
+      </a:hlink>
+      <a:folHlink>
+        <a:srgbClr val="954F72"/>
+      </a:folHlink>
+    </a:clrScheme>
+    <a:fontScheme name="Office">
+      <a:majorFont>
+        <a:latin typeface="Calibri Light" panose="020F0302020204030204"/>
+        <a:ea typeface=""/>
+        <a:cs typeface=""/>
+        <a:font script="Jpan" typeface="游ゴシック Light"/>
+        <a:font script="Hang" typeface="맑은 고딕"/>
+        <a:font script="Hans" typeface="等线 Light"/>
+        <a:font script="Hant" typeface="新細明體"/>
+        <a:font script="Arab" typeface="Times New Roman"/>
+        <a:font script="Hebr" typeface="Times New Roman"/>
+        <a:font script="Thai" typeface="Angsana New"/>
+        <a:font script="Ethi" typeface="Nyala"/>
+        <a:font script="Beng" typeface="Vrinda"/>
+        <a:font script="Gujr" typeface="Shruti"/>
+        <a:font script="Khmr" typeface="MoolBoran"/>
+        <a:font script="Knda" typeface="Tunga"/>
+        <a:font script="Guru" typeface="Raavi"/>
+        <a:font script="Cans" typeface="Euphemia"/>
+        <a:font script="Cher" typeface="Plantagenet Cherokee"/>
+        <a:font script="Yiii" typeface="Microsoft Yi Baiti"/>
+        <a:font script="Tibt" typeface="Microsoft Himalaya"/>
+        <a:font script="Thaa" typeface="MV Boli"/>
+        <a:font script="Deva" typeface="Mangal"/>
+        <a:font script="Telu" typeface="Gautami"/>
+        <a:font script="Taml" typeface="Latha"/>
+        <a:font script="Syrc" typeface="Estrangelo Edessa"/>
+        <a:font script="Orya" typeface="Kalinga"/>
+        <a:font script="Mlym" typeface="Kartika"/>
+        <a:font script="Laoo" typeface="DokChampa"/>
+        <a:font script="Sinh" typeface="Iskoola Pota"/>
+        <a:font script="Mong" typeface="Mongolian Baiti"/>
+        <a:font script="Viet" typeface="Times New Roman"/>
+        <a:font script="Uigh" typeface="Microsoft Uighur"/>
+        <a:font script="Geor" typeface="Sylfaen"/>
+        <a:font script="Armn" typeface="Arial"/>
+        <a:font script="Bugi" typeface="Leelawadee UI"/>
+        <a:font script="Bopo" typeface="Microsoft JhengHei"/>
+        <a:font script="Java" typeface="Javanese Text"/>
+        <a:font script="Lisu" typeface="Segoe UI"/>
+        <a:font script="Mymr" typeface="Myanmar Text"/>
+        <a:font script="Nkoo" typeface="Ebrima"/>
+        <a:font script="Olck" typeface="Nirmala UI"/>
+        <a:font script="Osma" typeface="Ebrima"/>
+        <a:font script="Phag" typeface="Phagspa"/>
+        <a:font script="Syrn" typeface="Estrangelo Edessa"/>
+        <a:font script="Syrj" typeface="Estrangelo Edessa"/>
+        <a:font script="Syre" typeface="Estrangelo Edessa"/>
+        <a:font script="Sora" typeface="Nirmala UI"/>
+        <a:font script="Tale" typeface="Microsoft Tai Le"/>
+        <a:font script="Talu" typeface="Microsoft New Tai Lue"/>
+        <a:font script="Tfng" typeface="Ebrima"/>
+      </a:majorFont>
+      <a:minorFont>
+        <a:latin typeface="Calibri" panose="020F0502020204030204"/>
+        <a:ea typeface=""/>
+        <a:cs typeface=""/>
+        <a:font script="Jpan" typeface="游ゴシック"/>
+        <a:font script="Hang" typeface="맑은 고딕"/>
+        <a:font script="Hans" typeface="等线"/>
+        <a:font script="Hant" typeface="新細明體"/>
+        <a:font script="Arab" typeface="Arial"/>
+        <a:font script="Hebr" typeface="Arial"/>
+        <a:font script="Thai" typeface="Cordia New"/>
+        <a:font script="Ethi" typeface="Nyala"/>
+        <a:font script="Beng" typeface="Vrinda"/>
+        <a:font script="Gujr" typeface="Shruti"/>
+        <a:font script="Khmr" typeface="DaunPenh"/>
+        <a:font script="Knda" typeface="Tunga"/>
+        <a:font script="Guru" typeface="Raavi"/>
+        <a:font script="Cans" typeface="Euphemia"/>
+        <a:font script="Cher" typeface="Plantagenet Cherokee"/>
+        <a:font script="Yiii" typeface="Microsoft Yi Baiti"/>
+        <a:font script="Tibt" typeface="Microsoft Himalaya"/>
+        <a:font script="Thaa" typeface="MV Boli"/>
+        <a:font script="Deva" typeface="Mangal"/>
+        <a:font script="Telu" typeface="Gautami"/>
+        <a:font script="Taml" typeface="Latha"/>
+        <a:font script="Syrc" typeface="Estrangelo Edessa"/>
+        <a:font script="Orya" typeface="Kalinga"/>
+        <a:font script="Mlym" typeface="Kartika"/>
+        <a:font script="Laoo" typeface="DokChampa"/>
+        <a:font script="Sinh" typeface="Iskoola Pota"/>
+        <a:font script="Mong" typeface="Mongolian Baiti"/>
+        <a:font script="Viet" typeface="Arial"/>
+        <a:font script="Uigh" typeface="Microsoft Uighur"/>
+        <a:font script="Geor" typeface="Sylfaen"/>
+        <a:font script="Armn" typeface="Arial"/>
+        <a:font script="Bugi" typeface="Leelawadee UI"/>
+        <a:font script="Bopo" typeface="Microsoft JhengHei"/>
+        <a:font script="Java" typeface="Javanese Text"/>
+        <a:font script="Lisu" typeface="Segoe UI"/>
+        <a:font script="Mymr" typeface="Myanmar Text"/>
+        <a:font script="Nkoo" typeface="Ebrima"/>
+        <a:font script="Olck" typeface="Nirmala UI"/>
+        <a:font script="Osma" typeface="Ebrima"/>
+        <a:font script="Phag" typeface="Phagspa"/>
+        <a:font script="Syrn" typeface="Estrangelo Edessa"/>
+        <a:font script="Syrj" typeface="Estrangelo Edessa"/>
+        <a:font script="Syre" typeface="Estrangelo Edessa"/>
+        <a:font script="Sora" typeface="Nirmala UI"/>
+        <a:font script="Tale" typeface="Microsoft Tai Le"/>
+        <a:font script="Talu" typeface="Microsoft New Tai Lue"/>
+        <a:font script="Tfng" typeface="Ebrima"/>
+      </a:minorFont>
+    </a:fontScheme>
+    <a:fmtScheme name="Office">
+      <a:fillStyleLst>
+        <a:solidFill>
+          <a:schemeClr val="phClr"/>
+        </a:solidFill>
+        <a:gradFill rotWithShape="1">
+          <a:gsLst>
+            <a:gs pos="0">
+              <a:schemeClr val="phClr">
+                <a:lumMod val="110000"/>
+                <a:satMod val="105000"/>
+                <a:tint val="67000"/>
+              </a:schemeClr>
+            </a:gs>
+            <a:gs pos="50000">
+              <a:schemeClr val="phClr">
+                <a:lumMod val="105000"/>
+                <a:satMod val="103000"/>
+                <a:tint val="73000"/>
+              </a:schemeClr>
+            </a:gs>
+            <a:gs pos="100000">
+              <a:schemeClr val="phClr">
+                <a:lumMod val="105000"/>
+                <a:satMod val="109000"/>
+                <a:tint val="81000"/>
+              </a:schemeClr>
+            </a:gs>
+          </a:gsLst>
+          <a:lin ang="5400000" scaled="0"/>
+        </a:gradFill>
+        <a:gradFill rotWithShape="1">
+          <a:gsLst>
+            <a:gs pos="0">
+              <a:schemeClr val="phClr">
+                <a:satMod val="103000"/>
+                <a:lumMod val="102000"/>
+                <a:tint val="94000"/>
+              </a:schemeClr>
+            </a:gs>
+            <a:gs pos="50000">
+              <a:schemeClr val="phClr">
+                <a:satMod val="110000"/>
+                <a:lumMod val="100000"/>
+                <a:shade val="100000"/>
+              </a:schemeClr>
+            </a:gs>
+            <a:gs pos="100000">
+              <a:schemeClr val="phClr">
+                <a:lumMod val="99000"/>
+                <a:satMod val="120000"/>
+                <a:shade val="78000"/>
+              </a:schemeClr>
+            </a:gs>
+          </a:gsLst>
+          <a:lin ang="5400000" scaled="0"/>
+        </a:gradFill>
+      </a:fillStyleLst>
+      <a:lnStyleLst>
+        <a:ln w="6350" cap="flat" cmpd="sng" algn="ctr">
+          <a:solidFill>
+            <a:schemeClr val="phClr"/>
+          </a:solidFill>
+          <a:prstDash val="solid"/>
+          <a:miter lim="800000"/>
+        </a:ln>
+        <a:ln w="12700" cap="flat" cmpd="sng" algn="ctr">
+          <a:solidFill>
+            <a:schemeClr val="phClr"/>
+          </a:solidFill>
+          <a:prstDash val="solid"/>
+          <a:miter lim="800000"/>
+        </a:ln>
+        <a:ln w="19050" cap="flat" cmpd="sng" algn="ctr">
+          <a:solidFill>
+            <a:schemeClr val="phClr"/>
+          </a:solidFill>
+          <a:prstDash val="solid"/>
+          <a:miter lim="800000"/>
+        </a:ln>
+      </a:lnStyleLst>
+      <a:effectStyleLst>
+        <a:effectStyle>
+          <a:effectLst/>
+        </a:effectStyle>
+        <a:effectStyle>
+          <a:effectLst/>
+        </a:effectStyle>
+        <a:effectStyle>
+          <a:effectLst>
+            <a:outerShdw blurRad="57150" dist="19050" dir="5400000" algn="ctr" rotWithShape="0">
+              <a:srgbClr val="000000">
+                <a:alpha val="63000"/>
+              </a:srgbClr>
+            </a:outerShdw>
+          </a:effectLst>
+        </a:effectStyle>
+      </a:effectStyleLst>
+      <a:bgFillStyleLst>
+        <a:solidFill>
+          <a:schemeClr val="phClr"/>
+        </a:solidFill>
+        <a:solidFill>
+          <a:schemeClr val="phClr">
+            <a:tint val="95000"/>
+            <a:satMod val="170000"/>
+          </a:schemeClr>
+        </a:solidFill>
+        <a:gradFill rotWithShape="1">
+          <a:gsLst>
+            <a:gs pos="0">
+              <a:schemeClr val="phClr">
+                <a:tint val="93000"/>
+                <a:satMod val="150000"/>
+                <a:shade val="98000"/>
+                <a:lumMod val="102000"/>
+              </a:schemeClr>
+            </a:gs>
+            <a:gs pos="50000">
+              <a:schemeClr val="phClr">
+                <a:tint val="98000"/>
+                <a:satMod val="130000"/>
+                <a:shade val="90000"/>
+                <a:lumMod val="103000"/>
+              </a:schemeClr>
+            </a:gs>
+            <a:gs pos="100000">
+              <a:schemeClr val="phClr">
+                <a:shade val="63000"/>
+                <a:satMod val="120000"/>
+              </a:schemeClr>
+            </a:gs>
+          </a:gsLst>
+          <a:lin ang="5400000" scaled="0"/>
+        </a:gradFill>
+      </a:bgFillStyleLst>
+    </a:fmtScheme>
+  </a:themeElements>
+  <a:objectDefaults/>
+  <a:extraClrSchemeLst/>
+  <a:extLst>
+    <a:ext uri="{05A4C25C-085E-4340-85A3-A5531E510DB2}">
+      <thm15:themeFamily xmlns:thm15="http://schemas.microsoft.com/office/thememl/2012/main" name="Office Theme" id="{62F939B6-93AF-4DB8-9C6B-D6C7DFDC589F}" vid="{4A3C46E8-61CC-4603-A589-7422A47A8E4A}"/>
+    </a:ext>
+  </a:extLst>
+</a:theme>
+</file>
+
 <file path=customXml/item1.xml><?xml version="1.0" encoding="utf-8"?>
+<p:properties xmlns:p="http://schemas.microsoft.com/office/2006/metadata/properties" xmlns:xsi="http://www.w3.org/2001/XMLSchema-instance" xmlns:pc="http://schemas.microsoft.com/office/infopath/2007/PartnerControls">
+  <documentManagement/>
+</p:properties>
+</file>
+
+<file path=customXml/item2.xml><?xml version="1.0" encoding="utf-8"?>
+<?mso-contentType ?>
+<FormTemplates xmlns="http://schemas.microsoft.com/sharepoint/v3/contenttype/forms">
+  <Display>DocumentLibraryForm</Display>
+  <Edit>DocumentLibraryForm</Edit>
+  <New>DocumentLibraryForm</New>
+</FormTemplates>
+</file>
+
+<file path=customXml/item3.xml><?xml version="1.0" encoding="utf-8"?>
 <ct:contentTypeSchema xmlns:ct="http://schemas.microsoft.com/office/2006/metadata/contentType" xmlns:ma="http://schemas.microsoft.com/office/2006/metadata/properties/metaAttributes" ct:_="" ma:_="" ma:contentTypeName="Document" ma:contentTypeID="0x010100995B43639B053647BFDADEFD25790FB0" ma:contentTypeVersion="6" ma:contentTypeDescription="Create a new document." ma:contentTypeScope="" ma:versionID="7ab62fa2ff2a65b7197aca93bf86e543">
   <xsd:schema xmlns:xsd="http://www.w3.org/2001/XMLSchema" xmlns:xs="http://www.w3.org/2001/XMLSchema" xmlns:p="http://schemas.microsoft.com/office/2006/metadata/properties" xmlns:ns3="6396e9b4-305b-4562-a64a-7df90dbfb267" targetNamespace="http://schemas.microsoft.com/office/2006/metadata/properties" ma:root="true" ma:fieldsID="addd5981799bc91200484339936d0a2d" ns3:_="">
     <xsd:import namespace="6396e9b4-305b-4562-a64a-7df90dbfb267"/>
@@ -4488,22 +5191,31 @@
 </ct:contentTypeSchema>
 </file>
 
-<file path=customXml/item2.xml><?xml version="1.0" encoding="utf-8"?>
-<?mso-contentType ?>
-<FormTemplates xmlns="http://schemas.microsoft.com/sharepoint/v3/contenttype/forms">
-  <Display>DocumentLibraryForm</Display>
-  <Edit>DocumentLibraryForm</Edit>
-  <New>DocumentLibraryForm</New>
-</FormTemplates>
+<file path=customXml/itemProps1.xml><?xml version="1.0" encoding="utf-8"?>
+<ds:datastoreItem xmlns:ds="http://schemas.openxmlformats.org/officeDocument/2006/customXml" ds:itemID="{D0903B23-75C6-459C-8CAA-20F7F458AFE6}">
+  <ds:schemaRefs>
+    <ds:schemaRef ds:uri="http://schemas.microsoft.com/office/2006/documentManagement/types"/>
+    <ds:schemaRef ds:uri="6396e9b4-305b-4562-a64a-7df90dbfb267"/>
+    <ds:schemaRef ds:uri="http://schemas.openxmlformats.org/package/2006/metadata/core-properties"/>
+    <ds:schemaRef ds:uri="http://www.w3.org/XML/1998/namespace"/>
+    <ds:schemaRef ds:uri="http://purl.org/dc/dcmitype/"/>
+    <ds:schemaRef ds:uri="http://purl.org/dc/elements/1.1/"/>
+    <ds:schemaRef ds:uri="http://purl.org/dc/terms/"/>
+    <ds:schemaRef ds:uri="http://schemas.microsoft.com/office/infopath/2007/PartnerControls"/>
+    <ds:schemaRef ds:uri="http://schemas.microsoft.com/office/2006/metadata/properties"/>
+  </ds:schemaRefs>
+</ds:datastoreItem>
 </file>
 
-<file path=customXml/item3.xml><?xml version="1.0" encoding="utf-8"?>
-<p:properties xmlns:p="http://schemas.microsoft.com/office/2006/metadata/properties" xmlns:xsi="http://www.w3.org/2001/XMLSchema-instance" xmlns:pc="http://schemas.microsoft.com/office/infopath/2007/PartnerControls">
-  <documentManagement/>
-</p:properties>
+<file path=customXml/itemProps2.xml><?xml version="1.0" encoding="utf-8"?>
+<ds:datastoreItem xmlns:ds="http://schemas.openxmlformats.org/officeDocument/2006/customXml" ds:itemID="{3B88778D-5AB7-409A-A5ED-2013574B640D}">
+  <ds:schemaRefs>
+    <ds:schemaRef ds:uri="http://schemas.microsoft.com/sharepoint/v3/contenttype/forms"/>
+  </ds:schemaRefs>
+</ds:datastoreItem>
 </file>
 
-<file path=customXml/itemProps1.xml><?xml version="1.0" encoding="utf-8"?>
+<file path=customXml/itemProps3.xml><?xml version="1.0" encoding="utf-8"?>
 <ds:datastoreItem xmlns:ds="http://schemas.openxmlformats.org/officeDocument/2006/customXml" ds:itemID="{B2057FB8-04C8-40CE-90C0-7C9EA0A2B5B4}">
   <ds:schemaRefs>
     <ds:schemaRef ds:uri="http://schemas.microsoft.com/office/2006/metadata/contentType"/>
@@ -4519,28 +5231,4 @@
     <ds:schemaRef ds:uri="http://schemas.microsoft.com/internal/obd"/>
   </ds:schemaRefs>
 </ds:datastoreItem>
-</file>
-
-<file path=customXml/itemProps2.xml><?xml version="1.0" encoding="utf-8"?>
-<ds:datastoreItem xmlns:ds="http://schemas.openxmlformats.org/officeDocument/2006/customXml" ds:itemID="{3B88778D-5AB7-409A-A5ED-2013574B640D}">
-  <ds:schemaRefs>
-    <ds:schemaRef ds:uri="http://schemas.microsoft.com/sharepoint/v3/contenttype/forms"/>
-  </ds:schemaRefs>
-</ds:datastoreItem>
-</file>
-
-<file path=customXml/itemProps3.xml><?xml version="1.0" encoding="utf-8"?>
-<ds:datastoreItem xmlns:ds="http://schemas.openxmlformats.org/officeDocument/2006/customXml" ds:itemID="{D0903B23-75C6-459C-8CAA-20F7F458AFE6}">
-  <ds:schemaRefs>
-    <ds:schemaRef ds:uri="http://schemas.microsoft.com/office/2006/documentManagement/types"/>
-    <ds:schemaRef ds:uri="6396e9b4-305b-4562-a64a-7df90dbfb267"/>
-    <ds:schemaRef ds:uri="http://schemas.openxmlformats.org/package/2006/metadata/core-properties"/>
-    <ds:schemaRef ds:uri="http://www.w3.org/XML/1998/namespace"/>
-    <ds:schemaRef ds:uri="http://purl.org/dc/dcmitype/"/>
-    <ds:schemaRef ds:uri="http://purl.org/dc/elements/1.1/"/>
-    <ds:schemaRef ds:uri="http://purl.org/dc/terms/"/>
-    <ds:schemaRef ds:uri="http://schemas.microsoft.com/office/infopath/2007/PartnerControls"/>
-    <ds:schemaRef ds:uri="http://schemas.microsoft.com/office/2006/metadata/properties"/>
-  </ds:schemaRefs>
-</ds:datastoreItem>
 </file>